--- a/plottingCode/Fig_comparison/FormationRates_BHBH_maxsorted_versionLRR_withLabels.pptx
+++ b/plottingCode/Fig_comparison/FormationRates_BHBH_maxsorted_versionLRR_withLabels.pptx
@@ -2,12 +2,12 @@
 <file path=ppt/presentation.xml><?xml version="1.0" encoding="utf-8"?>
 <p:presentation xmlns:a="http://schemas.openxmlformats.org/drawingml/2006/main" xmlns:r="http://schemas.openxmlformats.org/officeDocument/2006/relationships" xmlns:p="http://schemas.openxmlformats.org/presentationml/2006/main" saveSubsetFonts="1" autoCompressPictures="0">
   <p:sldMasterIdLst>
-    <p:sldMasterId id="2147483672" r:id="rId1"/>
+    <p:sldMasterId id="2147483708" r:id="rId1"/>
   </p:sldMasterIdLst>
   <p:sldIdLst>
     <p:sldId id="256" r:id="rId2"/>
   </p:sldIdLst>
-  <p:sldSz cx="6858000" cy="8074025"/>
+  <p:sldSz cx="6858000" cy="6702425"/>
   <p:notesSz cx="6858000" cy="9144000"/>
   <p:defaultTextStyle>
     <a:defPPr>
@@ -107,7 +107,7 @@
   <p:extLst>
     <p:ext uri="{EFAFB233-063F-42B5-8137-9DF3F51BA10A}">
       <p15:sldGuideLst xmlns:p15="http://schemas.microsoft.com/office/powerpoint/2012/main">
-        <p15:guide id="1" orient="horz" pos="2543" userDrawn="1">
+        <p15:guide id="1" orient="horz" pos="2111" userDrawn="1">
           <p15:clr>
             <a:srgbClr val="A4A3A4"/>
           </p15:clr>
@@ -152,8 +152,8 @@
         </p:nvSpPr>
         <p:spPr>
           <a:xfrm>
-            <a:off x="514350" y="1321375"/>
-            <a:ext cx="5829300" cy="2810957"/>
+            <a:off x="514350" y="1096902"/>
+            <a:ext cx="5829300" cy="2333437"/>
           </a:xfrm>
         </p:spPr>
         <p:txBody>
@@ -184,8 +184,8 @@
         </p:nvSpPr>
         <p:spPr>
           <a:xfrm>
-            <a:off x="857250" y="4240733"/>
-            <a:ext cx="5143500" cy="1949353"/>
+            <a:off x="857250" y="3520325"/>
+            <a:ext cx="5143500" cy="1618201"/>
           </a:xfrm>
         </p:spPr>
         <p:txBody>
@@ -254,7 +254,7 @@
           <a:p>
             <a:fld id="{6A7F7635-3F2B-034B-8DE6-1CDFFFC74B96}" type="datetimeFigureOut">
               <a:rPr lang="en-US" smtClean="0"/>
-              <a:t>4/18/22</a:t>
+              <a:t>10/12/22</a:t>
             </a:fld>
             <a:endParaRPr lang="en-US"/>
           </a:p>
@@ -305,7 +305,7 @@
     </p:spTree>
     <p:extLst>
       <p:ext uri="{BB962C8B-B14F-4D97-AF65-F5344CB8AC3E}">
-        <p14:creationId xmlns:p14="http://schemas.microsoft.com/office/powerpoint/2010/main" val="518435267"/>
+        <p14:creationId xmlns:p14="http://schemas.microsoft.com/office/powerpoint/2010/main" val="259024990"/>
       </p:ext>
     </p:extLst>
   </p:cSld>
@@ -424,7 +424,7 @@
           <a:p>
             <a:fld id="{6A7F7635-3F2B-034B-8DE6-1CDFFFC74B96}" type="datetimeFigureOut">
               <a:rPr lang="en-US" smtClean="0"/>
-              <a:t>4/18/22</a:t>
+              <a:t>10/12/22</a:t>
             </a:fld>
             <a:endParaRPr lang="en-US"/>
           </a:p>
@@ -475,7 +475,7 @@
     </p:spTree>
     <p:extLst>
       <p:ext uri="{BB962C8B-B14F-4D97-AF65-F5344CB8AC3E}">
-        <p14:creationId xmlns:p14="http://schemas.microsoft.com/office/powerpoint/2010/main" val="964604664"/>
+        <p14:creationId xmlns:p14="http://schemas.microsoft.com/office/powerpoint/2010/main" val="3916738324"/>
       </p:ext>
     </p:extLst>
   </p:cSld>
@@ -514,8 +514,8 @@
         </p:nvSpPr>
         <p:spPr>
           <a:xfrm>
-            <a:off x="4907757" y="429867"/>
-            <a:ext cx="1478756" cy="6842363"/>
+            <a:off x="4907757" y="356842"/>
+            <a:ext cx="1478756" cy="5679995"/>
           </a:xfrm>
         </p:spPr>
         <p:txBody>
@@ -542,8 +542,8 @@
         </p:nvSpPr>
         <p:spPr>
           <a:xfrm>
-            <a:off x="471488" y="429867"/>
-            <a:ext cx="4350544" cy="6842363"/>
+            <a:off x="471488" y="356842"/>
+            <a:ext cx="4350544" cy="5679995"/>
           </a:xfrm>
         </p:spPr>
         <p:txBody>
@@ -604,7 +604,7 @@
           <a:p>
             <a:fld id="{6A7F7635-3F2B-034B-8DE6-1CDFFFC74B96}" type="datetimeFigureOut">
               <a:rPr lang="en-US" smtClean="0"/>
-              <a:t>4/18/22</a:t>
+              <a:t>10/12/22</a:t>
             </a:fld>
             <a:endParaRPr lang="en-US"/>
           </a:p>
@@ -655,7 +655,7 @@
     </p:spTree>
     <p:extLst>
       <p:ext uri="{BB962C8B-B14F-4D97-AF65-F5344CB8AC3E}">
-        <p14:creationId xmlns:p14="http://schemas.microsoft.com/office/powerpoint/2010/main" val="3310107498"/>
+        <p14:creationId xmlns:p14="http://schemas.microsoft.com/office/powerpoint/2010/main" val="979481571"/>
       </p:ext>
     </p:extLst>
   </p:cSld>
@@ -774,7 +774,7 @@
           <a:p>
             <a:fld id="{6A7F7635-3F2B-034B-8DE6-1CDFFFC74B96}" type="datetimeFigureOut">
               <a:rPr lang="en-US" smtClean="0"/>
-              <a:t>4/18/22</a:t>
+              <a:t>10/12/22</a:t>
             </a:fld>
             <a:endParaRPr lang="en-US"/>
           </a:p>
@@ -825,7 +825,7 @@
     </p:spTree>
     <p:extLst>
       <p:ext uri="{BB962C8B-B14F-4D97-AF65-F5344CB8AC3E}">
-        <p14:creationId xmlns:p14="http://schemas.microsoft.com/office/powerpoint/2010/main" val="1016197010"/>
+        <p14:creationId xmlns:p14="http://schemas.microsoft.com/office/powerpoint/2010/main" val="564515906"/>
       </p:ext>
     </p:extLst>
   </p:cSld>
@@ -864,8 +864,8 @@
         </p:nvSpPr>
         <p:spPr>
           <a:xfrm>
-            <a:off x="467916" y="2012901"/>
-            <a:ext cx="5915025" cy="3358570"/>
+            <a:off x="467916" y="1670954"/>
+            <a:ext cx="5915025" cy="2788022"/>
           </a:xfrm>
         </p:spPr>
         <p:txBody>
@@ -896,8 +896,8 @@
         </p:nvSpPr>
         <p:spPr>
           <a:xfrm>
-            <a:off x="467916" y="5403245"/>
-            <a:ext cx="5915025" cy="1766192"/>
+            <a:off x="467916" y="4485352"/>
+            <a:ext cx="5915025" cy="1466155"/>
           </a:xfrm>
         </p:spPr>
         <p:txBody>
@@ -1018,7 +1018,7 @@
           <a:p>
             <a:fld id="{6A7F7635-3F2B-034B-8DE6-1CDFFFC74B96}" type="datetimeFigureOut">
               <a:rPr lang="en-US" smtClean="0"/>
-              <a:t>4/18/22</a:t>
+              <a:t>10/12/22</a:t>
             </a:fld>
             <a:endParaRPr lang="en-US"/>
           </a:p>
@@ -1069,7 +1069,7 @@
     </p:spTree>
     <p:extLst>
       <p:ext uri="{BB962C8B-B14F-4D97-AF65-F5344CB8AC3E}">
-        <p14:creationId xmlns:p14="http://schemas.microsoft.com/office/powerpoint/2010/main" val="2206920116"/>
+        <p14:creationId xmlns:p14="http://schemas.microsoft.com/office/powerpoint/2010/main" val="3761585309"/>
       </p:ext>
     </p:extLst>
   </p:cSld>
@@ -1131,8 +1131,8 @@
         </p:nvSpPr>
         <p:spPr>
           <a:xfrm>
-            <a:off x="471488" y="2149335"/>
-            <a:ext cx="2914650" cy="5122895"/>
+            <a:off x="471488" y="1784210"/>
+            <a:ext cx="2914650" cy="4252627"/>
           </a:xfrm>
         </p:spPr>
         <p:txBody>
@@ -1188,8 +1188,8 @@
         </p:nvSpPr>
         <p:spPr>
           <a:xfrm>
-            <a:off x="3471863" y="2149335"/>
-            <a:ext cx="2914650" cy="5122895"/>
+            <a:off x="3471863" y="1784210"/>
+            <a:ext cx="2914650" cy="4252627"/>
           </a:xfrm>
         </p:spPr>
         <p:txBody>
@@ -1250,7 +1250,7 @@
           <a:p>
             <a:fld id="{6A7F7635-3F2B-034B-8DE6-1CDFFFC74B96}" type="datetimeFigureOut">
               <a:rPr lang="en-US" smtClean="0"/>
-              <a:t>4/18/22</a:t>
+              <a:t>10/12/22</a:t>
             </a:fld>
             <a:endParaRPr lang="en-US"/>
           </a:p>
@@ -1301,7 +1301,7 @@
     </p:spTree>
     <p:extLst>
       <p:ext uri="{BB962C8B-B14F-4D97-AF65-F5344CB8AC3E}">
-        <p14:creationId xmlns:p14="http://schemas.microsoft.com/office/powerpoint/2010/main" val="3076253676"/>
+        <p14:creationId xmlns:p14="http://schemas.microsoft.com/office/powerpoint/2010/main" val="937045189"/>
       </p:ext>
     </p:extLst>
   </p:cSld>
@@ -1340,8 +1340,8 @@
         </p:nvSpPr>
         <p:spPr>
           <a:xfrm>
-            <a:off x="472381" y="429869"/>
-            <a:ext cx="5915025" cy="1560605"/>
+            <a:off x="472381" y="356844"/>
+            <a:ext cx="5915025" cy="1295492"/>
           </a:xfrm>
         </p:spPr>
         <p:txBody>
@@ -1368,8 +1368,8 @@
         </p:nvSpPr>
         <p:spPr>
           <a:xfrm>
-            <a:off x="472381" y="1979258"/>
-            <a:ext cx="2901255" cy="970004"/>
+            <a:off x="472381" y="1643026"/>
+            <a:ext cx="2901255" cy="805221"/>
           </a:xfrm>
         </p:spPr>
         <p:txBody>
@@ -1433,8 +1433,8 @@
         </p:nvSpPr>
         <p:spPr>
           <a:xfrm>
-            <a:off x="472381" y="2949262"/>
-            <a:ext cx="2901255" cy="4337920"/>
+            <a:off x="472381" y="2448247"/>
+            <a:ext cx="2901255" cy="3601002"/>
           </a:xfrm>
         </p:spPr>
         <p:txBody>
@@ -1490,8 +1490,8 @@
         </p:nvSpPr>
         <p:spPr>
           <a:xfrm>
-            <a:off x="3471863" y="1979258"/>
-            <a:ext cx="2915543" cy="970004"/>
+            <a:off x="3471863" y="1643026"/>
+            <a:ext cx="2915543" cy="805221"/>
           </a:xfrm>
         </p:spPr>
         <p:txBody>
@@ -1555,8 +1555,8 @@
         </p:nvSpPr>
         <p:spPr>
           <a:xfrm>
-            <a:off x="3471863" y="2949262"/>
-            <a:ext cx="2915543" cy="4337920"/>
+            <a:off x="3471863" y="2448247"/>
+            <a:ext cx="2915543" cy="3601002"/>
           </a:xfrm>
         </p:spPr>
         <p:txBody>
@@ -1617,7 +1617,7 @@
           <a:p>
             <a:fld id="{6A7F7635-3F2B-034B-8DE6-1CDFFFC74B96}" type="datetimeFigureOut">
               <a:rPr lang="en-US" smtClean="0"/>
-              <a:t>4/18/22</a:t>
+              <a:t>10/12/22</a:t>
             </a:fld>
             <a:endParaRPr lang="en-US"/>
           </a:p>
@@ -1668,7 +1668,7 @@
     </p:spTree>
     <p:extLst>
       <p:ext uri="{BB962C8B-B14F-4D97-AF65-F5344CB8AC3E}">
-        <p14:creationId xmlns:p14="http://schemas.microsoft.com/office/powerpoint/2010/main" val="2367193733"/>
+        <p14:creationId xmlns:p14="http://schemas.microsoft.com/office/powerpoint/2010/main" val="3545074790"/>
       </p:ext>
     </p:extLst>
   </p:cSld>
@@ -1735,7 +1735,7 @@
           <a:p>
             <a:fld id="{6A7F7635-3F2B-034B-8DE6-1CDFFFC74B96}" type="datetimeFigureOut">
               <a:rPr lang="en-US" smtClean="0"/>
-              <a:t>4/18/22</a:t>
+              <a:t>10/12/22</a:t>
             </a:fld>
             <a:endParaRPr lang="en-US"/>
           </a:p>
@@ -1786,7 +1786,7 @@
     </p:spTree>
     <p:extLst>
       <p:ext uri="{BB962C8B-B14F-4D97-AF65-F5344CB8AC3E}">
-        <p14:creationId xmlns:p14="http://schemas.microsoft.com/office/powerpoint/2010/main" val="3126732720"/>
+        <p14:creationId xmlns:p14="http://schemas.microsoft.com/office/powerpoint/2010/main" val="4073886131"/>
       </p:ext>
     </p:extLst>
   </p:cSld>
@@ -1830,7 +1830,7 @@
           <a:p>
             <a:fld id="{6A7F7635-3F2B-034B-8DE6-1CDFFFC74B96}" type="datetimeFigureOut">
               <a:rPr lang="en-US" smtClean="0"/>
-              <a:t>4/18/22</a:t>
+              <a:t>10/12/22</a:t>
             </a:fld>
             <a:endParaRPr lang="en-US"/>
           </a:p>
@@ -1881,7 +1881,7 @@
     </p:spTree>
     <p:extLst>
       <p:ext uri="{BB962C8B-B14F-4D97-AF65-F5344CB8AC3E}">
-        <p14:creationId xmlns:p14="http://schemas.microsoft.com/office/powerpoint/2010/main" val="3692022631"/>
+        <p14:creationId xmlns:p14="http://schemas.microsoft.com/office/powerpoint/2010/main" val="3205635780"/>
       </p:ext>
     </p:extLst>
   </p:cSld>
@@ -1920,8 +1920,8 @@
         </p:nvSpPr>
         <p:spPr>
           <a:xfrm>
-            <a:off x="472381" y="538268"/>
-            <a:ext cx="2211884" cy="1883939"/>
+            <a:off x="472381" y="446828"/>
+            <a:ext cx="2211884" cy="1563899"/>
           </a:xfrm>
         </p:spPr>
         <p:txBody>
@@ -1952,8 +1952,8 @@
         </p:nvSpPr>
         <p:spPr>
           <a:xfrm>
-            <a:off x="2915543" y="1162512"/>
-            <a:ext cx="3471863" cy="5737791"/>
+            <a:off x="2915543" y="965027"/>
+            <a:ext cx="3471863" cy="4763066"/>
           </a:xfrm>
         </p:spPr>
         <p:txBody>
@@ -2037,8 +2037,8 @@
         </p:nvSpPr>
         <p:spPr>
           <a:xfrm>
-            <a:off x="472381" y="2422208"/>
-            <a:ext cx="2211884" cy="4487439"/>
+            <a:off x="472381" y="2010728"/>
+            <a:ext cx="2211884" cy="3725121"/>
           </a:xfrm>
         </p:spPr>
         <p:txBody>
@@ -2107,7 +2107,7 @@
           <a:p>
             <a:fld id="{6A7F7635-3F2B-034B-8DE6-1CDFFFC74B96}" type="datetimeFigureOut">
               <a:rPr lang="en-US" smtClean="0"/>
-              <a:t>4/18/22</a:t>
+              <a:t>10/12/22</a:t>
             </a:fld>
             <a:endParaRPr lang="en-US"/>
           </a:p>
@@ -2158,7 +2158,7 @@
     </p:spTree>
     <p:extLst>
       <p:ext uri="{BB962C8B-B14F-4D97-AF65-F5344CB8AC3E}">
-        <p14:creationId xmlns:p14="http://schemas.microsoft.com/office/powerpoint/2010/main" val="2901945376"/>
+        <p14:creationId xmlns:p14="http://schemas.microsoft.com/office/powerpoint/2010/main" val="834940969"/>
       </p:ext>
     </p:extLst>
   </p:cSld>
@@ -2197,8 +2197,8 @@
         </p:nvSpPr>
         <p:spPr>
           <a:xfrm>
-            <a:off x="472381" y="538268"/>
-            <a:ext cx="2211884" cy="1883939"/>
+            <a:off x="472381" y="446828"/>
+            <a:ext cx="2211884" cy="1563899"/>
           </a:xfrm>
         </p:spPr>
         <p:txBody>
@@ -2229,8 +2229,8 @@
         </p:nvSpPr>
         <p:spPr>
           <a:xfrm>
-            <a:off x="2915543" y="1162512"/>
-            <a:ext cx="3471863" cy="5737791"/>
+            <a:off x="2915543" y="965027"/>
+            <a:ext cx="3471863" cy="4763066"/>
           </a:xfrm>
         </p:spPr>
         <p:txBody>
@@ -2294,8 +2294,8 @@
         </p:nvSpPr>
         <p:spPr>
           <a:xfrm>
-            <a:off x="472381" y="2422208"/>
-            <a:ext cx="2211884" cy="4487439"/>
+            <a:off x="472381" y="2010728"/>
+            <a:ext cx="2211884" cy="3725121"/>
           </a:xfrm>
         </p:spPr>
         <p:txBody>
@@ -2364,7 +2364,7 @@
           <a:p>
             <a:fld id="{6A7F7635-3F2B-034B-8DE6-1CDFFFC74B96}" type="datetimeFigureOut">
               <a:rPr lang="en-US" smtClean="0"/>
-              <a:t>4/18/22</a:t>
+              <a:t>10/12/22</a:t>
             </a:fld>
             <a:endParaRPr lang="en-US"/>
           </a:p>
@@ -2415,7 +2415,7 @@
     </p:spTree>
     <p:extLst>
       <p:ext uri="{BB962C8B-B14F-4D97-AF65-F5344CB8AC3E}">
-        <p14:creationId xmlns:p14="http://schemas.microsoft.com/office/powerpoint/2010/main" val="412510121"/>
+        <p14:creationId xmlns:p14="http://schemas.microsoft.com/office/powerpoint/2010/main" val="2500011532"/>
       </p:ext>
     </p:extLst>
   </p:cSld>
@@ -2459,8 +2459,8 @@
         </p:nvSpPr>
         <p:spPr>
           <a:xfrm>
-            <a:off x="471488" y="429869"/>
-            <a:ext cx="5915025" cy="1560605"/>
+            <a:off x="471488" y="356844"/>
+            <a:ext cx="5915025" cy="1295492"/>
           </a:xfrm>
           <a:prstGeom prst="rect">
             <a:avLst/>
@@ -2492,8 +2492,8 @@
         </p:nvSpPr>
         <p:spPr>
           <a:xfrm>
-            <a:off x="471488" y="2149335"/>
-            <a:ext cx="5915025" cy="5122895"/>
+            <a:off x="471488" y="1784210"/>
+            <a:ext cx="5915025" cy="4252627"/>
           </a:xfrm>
           <a:prstGeom prst="rect">
             <a:avLst/>
@@ -2554,8 +2554,8 @@
         </p:nvSpPr>
         <p:spPr>
           <a:xfrm>
-            <a:off x="471488" y="7483427"/>
-            <a:ext cx="1543050" cy="429867"/>
+            <a:off x="471488" y="6212157"/>
+            <a:ext cx="1543050" cy="356842"/>
           </a:xfrm>
           <a:prstGeom prst="rect">
             <a:avLst/>
@@ -2577,7 +2577,7 @@
           <a:p>
             <a:fld id="{6A7F7635-3F2B-034B-8DE6-1CDFFFC74B96}" type="datetimeFigureOut">
               <a:rPr lang="en-US" smtClean="0"/>
-              <a:t>4/18/22</a:t>
+              <a:t>10/12/22</a:t>
             </a:fld>
             <a:endParaRPr lang="en-US"/>
           </a:p>
@@ -2595,8 +2595,8 @@
         </p:nvSpPr>
         <p:spPr>
           <a:xfrm>
-            <a:off x="2271713" y="7483427"/>
-            <a:ext cx="2314575" cy="429867"/>
+            <a:off x="2271713" y="6212157"/>
+            <a:ext cx="2314575" cy="356842"/>
           </a:xfrm>
           <a:prstGeom prst="rect">
             <a:avLst/>
@@ -2632,8 +2632,8 @@
         </p:nvSpPr>
         <p:spPr>
           <a:xfrm>
-            <a:off x="4843463" y="7483427"/>
-            <a:ext cx="1543050" cy="429867"/>
+            <a:off x="4843463" y="6212157"/>
+            <a:ext cx="1543050" cy="356842"/>
           </a:xfrm>
           <a:prstGeom prst="rect">
             <a:avLst/>
@@ -2664,23 +2664,23 @@
     </p:spTree>
     <p:extLst>
       <p:ext uri="{BB962C8B-B14F-4D97-AF65-F5344CB8AC3E}">
-        <p14:creationId xmlns:p14="http://schemas.microsoft.com/office/powerpoint/2010/main" val="240114812"/>
+        <p14:creationId xmlns:p14="http://schemas.microsoft.com/office/powerpoint/2010/main" val="766337279"/>
       </p:ext>
     </p:extLst>
   </p:cSld>
   <p:clrMap bg1="lt1" tx1="dk1" bg2="lt2" tx2="dk2" accent1="accent1" accent2="accent2" accent3="accent3" accent4="accent4" accent5="accent5" accent6="accent6" hlink="hlink" folHlink="folHlink"/>
   <p:sldLayoutIdLst>
-    <p:sldLayoutId id="2147483673" r:id="rId1"/>
-    <p:sldLayoutId id="2147483674" r:id="rId2"/>
-    <p:sldLayoutId id="2147483675" r:id="rId3"/>
-    <p:sldLayoutId id="2147483676" r:id="rId4"/>
-    <p:sldLayoutId id="2147483677" r:id="rId5"/>
-    <p:sldLayoutId id="2147483678" r:id="rId6"/>
-    <p:sldLayoutId id="2147483679" r:id="rId7"/>
-    <p:sldLayoutId id="2147483680" r:id="rId8"/>
-    <p:sldLayoutId id="2147483681" r:id="rId9"/>
-    <p:sldLayoutId id="2147483682" r:id="rId10"/>
-    <p:sldLayoutId id="2147483683" r:id="rId11"/>
+    <p:sldLayoutId id="2147483709" r:id="rId1"/>
+    <p:sldLayoutId id="2147483710" r:id="rId2"/>
+    <p:sldLayoutId id="2147483711" r:id="rId3"/>
+    <p:sldLayoutId id="2147483712" r:id="rId4"/>
+    <p:sldLayoutId id="2147483713" r:id="rId5"/>
+    <p:sldLayoutId id="2147483714" r:id="rId6"/>
+    <p:sldLayoutId id="2147483715" r:id="rId7"/>
+    <p:sldLayoutId id="2147483716" r:id="rId8"/>
+    <p:sldLayoutId id="2147483717" r:id="rId9"/>
+    <p:sldLayoutId id="2147483718" r:id="rId10"/>
+    <p:sldLayoutId id="2147483719" r:id="rId11"/>
   </p:sldLayoutIdLst>
   <p:txStyles>
     <p:titleStyle>
@@ -2984,10 +2984,10 @@
       </p:grpSpPr>
       <p:pic>
         <p:nvPicPr>
-          <p:cNvPr id="5" name="Picture 4">
+          <p:cNvPr id="3" name="Picture 2">
             <a:extLst>
               <a:ext uri="{FF2B5EF4-FFF2-40B4-BE49-F238E27FC236}">
-                <a16:creationId xmlns:a16="http://schemas.microsoft.com/office/drawing/2014/main" id="{8C8EAD3F-F255-7C8A-AFC0-6B3AC7DD507A}"/>
+                <a16:creationId xmlns:a16="http://schemas.microsoft.com/office/drawing/2014/main" id="{080AEA72-D9BC-9A72-0517-CDF4447F6176}"/>
               </a:ext>
             </a:extLst>
           </p:cNvPr>
@@ -3004,8 +3004,8 @@
         </p:blipFill>
         <p:spPr>
           <a:xfrm>
-            <a:off x="0" y="505266"/>
-            <a:ext cx="6858000" cy="7543800"/>
+            <a:off x="0" y="679921"/>
+            <a:ext cx="6858000" cy="6035040"/>
           </a:xfrm>
           <a:prstGeom prst="rect">
             <a:avLst/>
@@ -3014,10 +3014,10 @@
       </p:pic>
       <p:pic>
         <p:nvPicPr>
-          <p:cNvPr id="7" name="Picture 6">
+          <p:cNvPr id="6" name="Picture 5" descr="A screenshot of a computer&#10;&#10;Description automatically generated with low confidence">
             <a:extLst>
               <a:ext uri="{FF2B5EF4-FFF2-40B4-BE49-F238E27FC236}">
-                <a16:creationId xmlns:a16="http://schemas.microsoft.com/office/drawing/2014/main" id="{AC428845-8403-D73F-51CA-BC234C0F1087}"/>
+                <a16:creationId xmlns:a16="http://schemas.microsoft.com/office/drawing/2014/main" id="{4DF200B5-499C-6378-CD6C-2FE45F77FB2C}"/>
               </a:ext>
             </a:extLst>
           </p:cNvPr>
@@ -3028,13 +3028,13 @@
         </p:nvPicPr>
         <p:blipFill rotWithShape="1">
           <a:blip r:embed="rId3"/>
-          <a:srcRect l="4154" t="305" r="13821" b="92661"/>
+          <a:srcRect l="11543" t="324" r="15165" b="88865"/>
           <a:stretch/>
         </p:blipFill>
         <p:spPr>
           <a:xfrm>
-            <a:off x="0" y="43943"/>
-            <a:ext cx="6858000" cy="399328"/>
+            <a:off x="11097" y="8878"/>
+            <a:ext cx="6858000" cy="716274"/>
           </a:xfrm>
           <a:prstGeom prst="rect">
             <a:avLst/>

--- a/plottingCode/Fig_comparison/FormationRates_BHBH_maxsorted_versionLRR_withLabels.pptx
+++ b/plottingCode/Fig_comparison/FormationRates_BHBH_maxsorted_versionLRR_withLabels.pptx
@@ -254,7 +254,7 @@
           <a:p>
             <a:fld id="{6A7F7635-3F2B-034B-8DE6-1CDFFFC74B96}" type="datetimeFigureOut">
               <a:rPr lang="en-US" smtClean="0"/>
-              <a:t>10/12/22</a:t>
+              <a:t>11/9/22</a:t>
             </a:fld>
             <a:endParaRPr lang="en-US"/>
           </a:p>
@@ -424,7 +424,7 @@
           <a:p>
             <a:fld id="{6A7F7635-3F2B-034B-8DE6-1CDFFFC74B96}" type="datetimeFigureOut">
               <a:rPr lang="en-US" smtClean="0"/>
-              <a:t>10/12/22</a:t>
+              <a:t>11/9/22</a:t>
             </a:fld>
             <a:endParaRPr lang="en-US"/>
           </a:p>
@@ -604,7 +604,7 @@
           <a:p>
             <a:fld id="{6A7F7635-3F2B-034B-8DE6-1CDFFFC74B96}" type="datetimeFigureOut">
               <a:rPr lang="en-US" smtClean="0"/>
-              <a:t>10/12/22</a:t>
+              <a:t>11/9/22</a:t>
             </a:fld>
             <a:endParaRPr lang="en-US"/>
           </a:p>
@@ -774,7 +774,7 @@
           <a:p>
             <a:fld id="{6A7F7635-3F2B-034B-8DE6-1CDFFFC74B96}" type="datetimeFigureOut">
               <a:rPr lang="en-US" smtClean="0"/>
-              <a:t>10/12/22</a:t>
+              <a:t>11/9/22</a:t>
             </a:fld>
             <a:endParaRPr lang="en-US"/>
           </a:p>
@@ -1018,7 +1018,7 @@
           <a:p>
             <a:fld id="{6A7F7635-3F2B-034B-8DE6-1CDFFFC74B96}" type="datetimeFigureOut">
               <a:rPr lang="en-US" smtClean="0"/>
-              <a:t>10/12/22</a:t>
+              <a:t>11/9/22</a:t>
             </a:fld>
             <a:endParaRPr lang="en-US"/>
           </a:p>
@@ -1250,7 +1250,7 @@
           <a:p>
             <a:fld id="{6A7F7635-3F2B-034B-8DE6-1CDFFFC74B96}" type="datetimeFigureOut">
               <a:rPr lang="en-US" smtClean="0"/>
-              <a:t>10/12/22</a:t>
+              <a:t>11/9/22</a:t>
             </a:fld>
             <a:endParaRPr lang="en-US"/>
           </a:p>
@@ -1617,7 +1617,7 @@
           <a:p>
             <a:fld id="{6A7F7635-3F2B-034B-8DE6-1CDFFFC74B96}" type="datetimeFigureOut">
               <a:rPr lang="en-US" smtClean="0"/>
-              <a:t>10/12/22</a:t>
+              <a:t>11/9/22</a:t>
             </a:fld>
             <a:endParaRPr lang="en-US"/>
           </a:p>
@@ -1735,7 +1735,7 @@
           <a:p>
             <a:fld id="{6A7F7635-3F2B-034B-8DE6-1CDFFFC74B96}" type="datetimeFigureOut">
               <a:rPr lang="en-US" smtClean="0"/>
-              <a:t>10/12/22</a:t>
+              <a:t>11/9/22</a:t>
             </a:fld>
             <a:endParaRPr lang="en-US"/>
           </a:p>
@@ -1830,7 +1830,7 @@
           <a:p>
             <a:fld id="{6A7F7635-3F2B-034B-8DE6-1CDFFFC74B96}" type="datetimeFigureOut">
               <a:rPr lang="en-US" smtClean="0"/>
-              <a:t>10/12/22</a:t>
+              <a:t>11/9/22</a:t>
             </a:fld>
             <a:endParaRPr lang="en-US"/>
           </a:p>
@@ -2107,7 +2107,7 @@
           <a:p>
             <a:fld id="{6A7F7635-3F2B-034B-8DE6-1CDFFFC74B96}" type="datetimeFigureOut">
               <a:rPr lang="en-US" smtClean="0"/>
-              <a:t>10/12/22</a:t>
+              <a:t>11/9/22</a:t>
             </a:fld>
             <a:endParaRPr lang="en-US"/>
           </a:p>
@@ -2364,7 +2364,7 @@
           <a:p>
             <a:fld id="{6A7F7635-3F2B-034B-8DE6-1CDFFFC74B96}" type="datetimeFigureOut">
               <a:rPr lang="en-US" smtClean="0"/>
-              <a:t>10/12/22</a:t>
+              <a:t>11/9/22</a:t>
             </a:fld>
             <a:endParaRPr lang="en-US"/>
           </a:p>
@@ -2577,7 +2577,7 @@
           <a:p>
             <a:fld id="{6A7F7635-3F2B-034B-8DE6-1CDFFFC74B96}" type="datetimeFigureOut">
               <a:rPr lang="en-US" smtClean="0"/>
-              <a:t>10/12/22</a:t>
+              <a:t>11/9/22</a:t>
             </a:fld>
             <a:endParaRPr lang="en-US"/>
           </a:p>
@@ -2984,36 +2984,6 @@
       </p:grpSpPr>
       <p:pic>
         <p:nvPicPr>
-          <p:cNvPr id="3" name="Picture 2">
-            <a:extLst>
-              <a:ext uri="{FF2B5EF4-FFF2-40B4-BE49-F238E27FC236}">
-                <a16:creationId xmlns:a16="http://schemas.microsoft.com/office/drawing/2014/main" id="{080AEA72-D9BC-9A72-0517-CDF4447F6176}"/>
-              </a:ext>
-            </a:extLst>
-          </p:cNvPr>
-          <p:cNvPicPr>
-            <a:picLocks noChangeAspect="1"/>
-          </p:cNvPicPr>
-          <p:nvPr/>
-        </p:nvPicPr>
-        <p:blipFill>
-          <a:blip r:embed="rId2"/>
-          <a:stretch>
-            <a:fillRect/>
-          </a:stretch>
-        </p:blipFill>
-        <p:spPr>
-          <a:xfrm>
-            <a:off x="0" y="679921"/>
-            <a:ext cx="6858000" cy="6035040"/>
-          </a:xfrm>
-          <a:prstGeom prst="rect">
-            <a:avLst/>
-          </a:prstGeom>
-        </p:spPr>
-      </p:pic>
-      <p:pic>
-        <p:nvPicPr>
           <p:cNvPr id="6" name="Picture 5" descr="A screenshot of a computer&#10;&#10;Description automatically generated with low confidence">
             <a:extLst>
               <a:ext uri="{FF2B5EF4-FFF2-40B4-BE49-F238E27FC236}">
@@ -3027,7 +2997,7 @@
           <p:nvPr/>
         </p:nvPicPr>
         <p:blipFill rotWithShape="1">
-          <a:blip r:embed="rId3"/>
+          <a:blip r:embed="rId2"/>
           <a:srcRect l="11543" t="324" r="15165" b="88865"/>
           <a:stretch/>
         </p:blipFill>
@@ -3035,6 +3005,36 @@
           <a:xfrm>
             <a:off x="11097" y="8878"/>
             <a:ext cx="6858000" cy="716274"/>
+          </a:xfrm>
+          <a:prstGeom prst="rect">
+            <a:avLst/>
+          </a:prstGeom>
+        </p:spPr>
+      </p:pic>
+      <p:pic>
+        <p:nvPicPr>
+          <p:cNvPr id="4" name="Picture 3">
+            <a:extLst>
+              <a:ext uri="{FF2B5EF4-FFF2-40B4-BE49-F238E27FC236}">
+                <a16:creationId xmlns:a16="http://schemas.microsoft.com/office/drawing/2014/main" id="{5363C9C3-79D1-BC22-03AD-C0C101A5BAE7}"/>
+              </a:ext>
+            </a:extLst>
+          </p:cNvPr>
+          <p:cNvPicPr>
+            <a:picLocks noChangeAspect="1"/>
+          </p:cNvPicPr>
+          <p:nvPr/>
+        </p:nvPicPr>
+        <p:blipFill>
+          <a:blip r:embed="rId3"/>
+          <a:stretch>
+            <a:fillRect/>
+          </a:stretch>
+        </p:blipFill>
+        <p:spPr>
+          <a:xfrm>
+            <a:off x="22385" y="656096"/>
+            <a:ext cx="6858000" cy="6035040"/>
           </a:xfrm>
           <a:prstGeom prst="rect">
             <a:avLst/>
